--- a/ppt 16-9/0259.复活得胜主.pptx
+++ b/ppt 16-9/0259.复活得胜主.pptx
@@ -129,7 +129,7 @@
           <p:cNvPr id="2" name="标题 1">
             <a:extLst>
               <a:ext uri="{FF2B5EF4-FFF2-40B4-BE49-F238E27FC236}">
-                <a16:creationId xmlns:a16="http://schemas.microsoft.com/office/drawing/2014/main" id="{1C1CE33B-A1FA-C5DE-27B5-58C4BD41633D}"/>
+                <a16:creationId xmlns:a16="http://schemas.microsoft.com/office/drawing/2014/main" id="{6F31B2FB-BE9E-97F6-7CFF-193B27B0E42F}"/>
               </a:ext>
             </a:extLst>
           </p:cNvPr>
@@ -166,7 +166,7 @@
           <p:cNvPr id="3" name="副标题 2">
             <a:extLst>
               <a:ext uri="{FF2B5EF4-FFF2-40B4-BE49-F238E27FC236}">
-                <a16:creationId xmlns:a16="http://schemas.microsoft.com/office/drawing/2014/main" id="{1D58538E-F03A-7EBB-4191-E828A41B1CB3}"/>
+                <a16:creationId xmlns:a16="http://schemas.microsoft.com/office/drawing/2014/main" id="{B9D49126-0E46-11DB-FB43-BFD861689C75}"/>
               </a:ext>
             </a:extLst>
           </p:cNvPr>
@@ -236,7 +236,7 @@
           <p:cNvPr id="4" name="日期占位符 3">
             <a:extLst>
               <a:ext uri="{FF2B5EF4-FFF2-40B4-BE49-F238E27FC236}">
-                <a16:creationId xmlns:a16="http://schemas.microsoft.com/office/drawing/2014/main" id="{97EC2F87-2740-DA91-B083-9B9212598637}"/>
+                <a16:creationId xmlns:a16="http://schemas.microsoft.com/office/drawing/2014/main" id="{77641EA5-DDD3-D6C8-E333-2CAA96DB2DBE}"/>
               </a:ext>
             </a:extLst>
           </p:cNvPr>
@@ -252,7 +252,7 @@
           <a:bodyPr/>
           <a:lstStyle/>
           <a:p>
-            <a:fld id="{8B88C56A-A9C4-44AB-8B74-6BC1211B5DEB}" type="datetimeFigureOut">
+            <a:fld id="{6A1ECCE6-7D07-4D63-9E24-0E41D10069C1}" type="datetimeFigureOut">
               <a:rPr lang="zh-CN" altLang="en-US" smtClean="0"/>
               <a:t>2024/3/10</a:t>
             </a:fld>
@@ -265,7 +265,7 @@
           <p:cNvPr id="5" name="页脚占位符 4">
             <a:extLst>
               <a:ext uri="{FF2B5EF4-FFF2-40B4-BE49-F238E27FC236}">
-                <a16:creationId xmlns:a16="http://schemas.microsoft.com/office/drawing/2014/main" id="{268FE59A-7521-89B2-65A0-6563A53AD01D}"/>
+                <a16:creationId xmlns:a16="http://schemas.microsoft.com/office/drawing/2014/main" id="{86571BF6-3647-832B-16AA-FFB35B9DA990}"/>
               </a:ext>
             </a:extLst>
           </p:cNvPr>
@@ -290,7 +290,7 @@
           <p:cNvPr id="6" name="灯片编号占位符 5">
             <a:extLst>
               <a:ext uri="{FF2B5EF4-FFF2-40B4-BE49-F238E27FC236}">
-                <a16:creationId xmlns:a16="http://schemas.microsoft.com/office/drawing/2014/main" id="{3BBFD2DA-06C1-7E7D-300C-12C74D24BE5B}"/>
+                <a16:creationId xmlns:a16="http://schemas.microsoft.com/office/drawing/2014/main" id="{48E1555D-B09E-44F3-56EC-5F089A3DAF34}"/>
               </a:ext>
             </a:extLst>
           </p:cNvPr>
@@ -306,7 +306,7 @@
           <a:bodyPr/>
           <a:lstStyle/>
           <a:p>
-            <a:fld id="{B90756F4-3600-456E-B794-C17833E09BEF}" type="slidenum">
+            <a:fld id="{FE2147D4-9B80-4A40-B7D5-270A853644E5}" type="slidenum">
               <a:rPr lang="zh-CN" altLang="en-US" smtClean="0"/>
               <a:t>‹#›</a:t>
             </a:fld>
@@ -317,7 +317,7 @@
     </p:spTree>
     <p:extLst>
       <p:ext uri="{BB962C8B-B14F-4D97-AF65-F5344CB8AC3E}">
-        <p14:creationId xmlns:p14="http://schemas.microsoft.com/office/powerpoint/2010/main" val="344256918"/>
+        <p14:creationId xmlns:p14="http://schemas.microsoft.com/office/powerpoint/2010/main" val="400313722"/>
       </p:ext>
     </p:extLst>
   </p:cSld>
@@ -349,7 +349,7 @@
           <p:cNvPr id="2" name="标题 1">
             <a:extLst>
               <a:ext uri="{FF2B5EF4-FFF2-40B4-BE49-F238E27FC236}">
-                <a16:creationId xmlns:a16="http://schemas.microsoft.com/office/drawing/2014/main" id="{5E56530E-BB5F-6328-E5C9-9C320F5178DD}"/>
+                <a16:creationId xmlns:a16="http://schemas.microsoft.com/office/drawing/2014/main" id="{4E996C02-C836-5921-ED0E-4646C3337089}"/>
               </a:ext>
             </a:extLst>
           </p:cNvPr>
@@ -377,7 +377,7 @@
           <p:cNvPr id="3" name="竖排文字占位符 2">
             <a:extLst>
               <a:ext uri="{FF2B5EF4-FFF2-40B4-BE49-F238E27FC236}">
-                <a16:creationId xmlns:a16="http://schemas.microsoft.com/office/drawing/2014/main" id="{6F597682-58DA-17BA-ECF6-D31F575DFF63}"/>
+                <a16:creationId xmlns:a16="http://schemas.microsoft.com/office/drawing/2014/main" id="{26D79ED4-D4D7-A9F7-F65E-63A3B78B0961}"/>
               </a:ext>
             </a:extLst>
           </p:cNvPr>
@@ -434,7 +434,7 @@
           <p:cNvPr id="4" name="日期占位符 3">
             <a:extLst>
               <a:ext uri="{FF2B5EF4-FFF2-40B4-BE49-F238E27FC236}">
-                <a16:creationId xmlns:a16="http://schemas.microsoft.com/office/drawing/2014/main" id="{54051206-EAC2-7CB1-3FBF-F30ED3705228}"/>
+                <a16:creationId xmlns:a16="http://schemas.microsoft.com/office/drawing/2014/main" id="{62592F3F-3073-A983-CFC7-4250A951864A}"/>
               </a:ext>
             </a:extLst>
           </p:cNvPr>
@@ -450,7 +450,7 @@
           <a:bodyPr/>
           <a:lstStyle/>
           <a:p>
-            <a:fld id="{8B88C56A-A9C4-44AB-8B74-6BC1211B5DEB}" type="datetimeFigureOut">
+            <a:fld id="{6A1ECCE6-7D07-4D63-9E24-0E41D10069C1}" type="datetimeFigureOut">
               <a:rPr lang="zh-CN" altLang="en-US" smtClean="0"/>
               <a:t>2024/3/10</a:t>
             </a:fld>
@@ -463,7 +463,7 @@
           <p:cNvPr id="5" name="页脚占位符 4">
             <a:extLst>
               <a:ext uri="{FF2B5EF4-FFF2-40B4-BE49-F238E27FC236}">
-                <a16:creationId xmlns:a16="http://schemas.microsoft.com/office/drawing/2014/main" id="{EABF300E-4169-7B8E-F799-8C68B0588FE4}"/>
+                <a16:creationId xmlns:a16="http://schemas.microsoft.com/office/drawing/2014/main" id="{D9E1975A-19D4-1FC6-4A0F-B928D700C575}"/>
               </a:ext>
             </a:extLst>
           </p:cNvPr>
@@ -488,7 +488,7 @@
           <p:cNvPr id="6" name="灯片编号占位符 5">
             <a:extLst>
               <a:ext uri="{FF2B5EF4-FFF2-40B4-BE49-F238E27FC236}">
-                <a16:creationId xmlns:a16="http://schemas.microsoft.com/office/drawing/2014/main" id="{275659F9-4AD2-67D2-44D6-98721808777D}"/>
+                <a16:creationId xmlns:a16="http://schemas.microsoft.com/office/drawing/2014/main" id="{4BE93859-FDF9-8BC6-720B-3BFA8D7CE7E3}"/>
               </a:ext>
             </a:extLst>
           </p:cNvPr>
@@ -504,7 +504,7 @@
           <a:bodyPr/>
           <a:lstStyle/>
           <a:p>
-            <a:fld id="{B90756F4-3600-456E-B794-C17833E09BEF}" type="slidenum">
+            <a:fld id="{FE2147D4-9B80-4A40-B7D5-270A853644E5}" type="slidenum">
               <a:rPr lang="zh-CN" altLang="en-US" smtClean="0"/>
               <a:t>‹#›</a:t>
             </a:fld>
@@ -515,7 +515,7 @@
     </p:spTree>
     <p:extLst>
       <p:ext uri="{BB962C8B-B14F-4D97-AF65-F5344CB8AC3E}">
-        <p14:creationId xmlns:p14="http://schemas.microsoft.com/office/powerpoint/2010/main" val="1192833701"/>
+        <p14:creationId xmlns:p14="http://schemas.microsoft.com/office/powerpoint/2010/main" val="3513614157"/>
       </p:ext>
     </p:extLst>
   </p:cSld>
@@ -547,7 +547,7 @@
           <p:cNvPr id="2" name="竖排标题 1">
             <a:extLst>
               <a:ext uri="{FF2B5EF4-FFF2-40B4-BE49-F238E27FC236}">
-                <a16:creationId xmlns:a16="http://schemas.microsoft.com/office/drawing/2014/main" id="{DCE1D66D-3318-901A-60A5-ADC1128AB367}"/>
+                <a16:creationId xmlns:a16="http://schemas.microsoft.com/office/drawing/2014/main" id="{FCD4887E-7CCC-0A8D-8E36-2B0E4E115712}"/>
               </a:ext>
             </a:extLst>
           </p:cNvPr>
@@ -580,7 +580,7 @@
           <p:cNvPr id="3" name="竖排文字占位符 2">
             <a:extLst>
               <a:ext uri="{FF2B5EF4-FFF2-40B4-BE49-F238E27FC236}">
-                <a16:creationId xmlns:a16="http://schemas.microsoft.com/office/drawing/2014/main" id="{DC090B00-E13C-F39A-10C5-B3FA841F0F18}"/>
+                <a16:creationId xmlns:a16="http://schemas.microsoft.com/office/drawing/2014/main" id="{8F92E92E-627C-72AD-BBB4-3F49D38FB782}"/>
               </a:ext>
             </a:extLst>
           </p:cNvPr>
@@ -642,7 +642,7 @@
           <p:cNvPr id="4" name="日期占位符 3">
             <a:extLst>
               <a:ext uri="{FF2B5EF4-FFF2-40B4-BE49-F238E27FC236}">
-                <a16:creationId xmlns:a16="http://schemas.microsoft.com/office/drawing/2014/main" id="{316BCE01-7684-4845-98D2-03BC05C0EFF5}"/>
+                <a16:creationId xmlns:a16="http://schemas.microsoft.com/office/drawing/2014/main" id="{C162257E-27EA-2EB3-2249-61E0542C5223}"/>
               </a:ext>
             </a:extLst>
           </p:cNvPr>
@@ -658,7 +658,7 @@
           <a:bodyPr/>
           <a:lstStyle/>
           <a:p>
-            <a:fld id="{8B88C56A-A9C4-44AB-8B74-6BC1211B5DEB}" type="datetimeFigureOut">
+            <a:fld id="{6A1ECCE6-7D07-4D63-9E24-0E41D10069C1}" type="datetimeFigureOut">
               <a:rPr lang="zh-CN" altLang="en-US" smtClean="0"/>
               <a:t>2024/3/10</a:t>
             </a:fld>
@@ -671,7 +671,7 @@
           <p:cNvPr id="5" name="页脚占位符 4">
             <a:extLst>
               <a:ext uri="{FF2B5EF4-FFF2-40B4-BE49-F238E27FC236}">
-                <a16:creationId xmlns:a16="http://schemas.microsoft.com/office/drawing/2014/main" id="{1F7458D3-A8B0-1E5B-A5F7-6F10C4C25643}"/>
+                <a16:creationId xmlns:a16="http://schemas.microsoft.com/office/drawing/2014/main" id="{7726F977-252D-6988-892C-2FAC1765FF5E}"/>
               </a:ext>
             </a:extLst>
           </p:cNvPr>
@@ -696,7 +696,7 @@
           <p:cNvPr id="6" name="灯片编号占位符 5">
             <a:extLst>
               <a:ext uri="{FF2B5EF4-FFF2-40B4-BE49-F238E27FC236}">
-                <a16:creationId xmlns:a16="http://schemas.microsoft.com/office/drawing/2014/main" id="{1C532AD4-36CF-BF38-5540-4C79A91B7BA8}"/>
+                <a16:creationId xmlns:a16="http://schemas.microsoft.com/office/drawing/2014/main" id="{ABE3A17C-00F2-A179-D7C8-22407F483521}"/>
               </a:ext>
             </a:extLst>
           </p:cNvPr>
@@ -712,7 +712,7 @@
           <a:bodyPr/>
           <a:lstStyle/>
           <a:p>
-            <a:fld id="{B90756F4-3600-456E-B794-C17833E09BEF}" type="slidenum">
+            <a:fld id="{FE2147D4-9B80-4A40-B7D5-270A853644E5}" type="slidenum">
               <a:rPr lang="zh-CN" altLang="en-US" smtClean="0"/>
               <a:t>‹#›</a:t>
             </a:fld>
@@ -723,7 +723,7 @@
     </p:spTree>
     <p:extLst>
       <p:ext uri="{BB962C8B-B14F-4D97-AF65-F5344CB8AC3E}">
-        <p14:creationId xmlns:p14="http://schemas.microsoft.com/office/powerpoint/2010/main" val="4066912912"/>
+        <p14:creationId xmlns:p14="http://schemas.microsoft.com/office/powerpoint/2010/main" val="297081428"/>
       </p:ext>
     </p:extLst>
   </p:cSld>
@@ -755,7 +755,7 @@
           <p:cNvPr id="2" name="标题 1">
             <a:extLst>
               <a:ext uri="{FF2B5EF4-FFF2-40B4-BE49-F238E27FC236}">
-                <a16:creationId xmlns:a16="http://schemas.microsoft.com/office/drawing/2014/main" id="{601A8CD1-08C2-912E-B007-55E02E7EEBF4}"/>
+                <a16:creationId xmlns:a16="http://schemas.microsoft.com/office/drawing/2014/main" id="{D83C6CF7-F1B4-0424-527D-2EF92EE0A1F6}"/>
               </a:ext>
             </a:extLst>
           </p:cNvPr>
@@ -783,7 +783,7 @@
           <p:cNvPr id="3" name="内容占位符 2">
             <a:extLst>
               <a:ext uri="{FF2B5EF4-FFF2-40B4-BE49-F238E27FC236}">
-                <a16:creationId xmlns:a16="http://schemas.microsoft.com/office/drawing/2014/main" id="{A8CC2A78-8C35-1A2D-1761-75DE463F26FE}"/>
+                <a16:creationId xmlns:a16="http://schemas.microsoft.com/office/drawing/2014/main" id="{8F78FE41-A04F-D77D-40FD-7DB5DFBD24A9}"/>
               </a:ext>
             </a:extLst>
           </p:cNvPr>
@@ -840,7 +840,7 @@
           <p:cNvPr id="4" name="日期占位符 3">
             <a:extLst>
               <a:ext uri="{FF2B5EF4-FFF2-40B4-BE49-F238E27FC236}">
-                <a16:creationId xmlns:a16="http://schemas.microsoft.com/office/drawing/2014/main" id="{130F3292-82FC-28A6-0ED7-2762D890AB0F}"/>
+                <a16:creationId xmlns:a16="http://schemas.microsoft.com/office/drawing/2014/main" id="{B758D88C-BEBE-00E8-7760-D40DBC484B37}"/>
               </a:ext>
             </a:extLst>
           </p:cNvPr>
@@ -856,7 +856,7 @@
           <a:bodyPr/>
           <a:lstStyle/>
           <a:p>
-            <a:fld id="{8B88C56A-A9C4-44AB-8B74-6BC1211B5DEB}" type="datetimeFigureOut">
+            <a:fld id="{6A1ECCE6-7D07-4D63-9E24-0E41D10069C1}" type="datetimeFigureOut">
               <a:rPr lang="zh-CN" altLang="en-US" smtClean="0"/>
               <a:t>2024/3/10</a:t>
             </a:fld>
@@ -869,7 +869,7 @@
           <p:cNvPr id="5" name="页脚占位符 4">
             <a:extLst>
               <a:ext uri="{FF2B5EF4-FFF2-40B4-BE49-F238E27FC236}">
-                <a16:creationId xmlns:a16="http://schemas.microsoft.com/office/drawing/2014/main" id="{0D725ADB-08C9-0754-07C8-362C4F50EDEC}"/>
+                <a16:creationId xmlns:a16="http://schemas.microsoft.com/office/drawing/2014/main" id="{62B27C5A-E55A-6DEC-6E3E-8A241A457E76}"/>
               </a:ext>
             </a:extLst>
           </p:cNvPr>
@@ -894,7 +894,7 @@
           <p:cNvPr id="6" name="灯片编号占位符 5">
             <a:extLst>
               <a:ext uri="{FF2B5EF4-FFF2-40B4-BE49-F238E27FC236}">
-                <a16:creationId xmlns:a16="http://schemas.microsoft.com/office/drawing/2014/main" id="{E7E4E49D-F8D8-4F66-340E-9915FB81F032}"/>
+                <a16:creationId xmlns:a16="http://schemas.microsoft.com/office/drawing/2014/main" id="{0C95CD80-5DB3-429F-BDCF-52D79B3E522A}"/>
               </a:ext>
             </a:extLst>
           </p:cNvPr>
@@ -910,7 +910,7 @@
           <a:bodyPr/>
           <a:lstStyle/>
           <a:p>
-            <a:fld id="{B90756F4-3600-456E-B794-C17833E09BEF}" type="slidenum">
+            <a:fld id="{FE2147D4-9B80-4A40-B7D5-270A853644E5}" type="slidenum">
               <a:rPr lang="zh-CN" altLang="en-US" smtClean="0"/>
               <a:t>‹#›</a:t>
             </a:fld>
@@ -921,7 +921,7 @@
     </p:spTree>
     <p:extLst>
       <p:ext uri="{BB962C8B-B14F-4D97-AF65-F5344CB8AC3E}">
-        <p14:creationId xmlns:p14="http://schemas.microsoft.com/office/powerpoint/2010/main" val="713737095"/>
+        <p14:creationId xmlns:p14="http://schemas.microsoft.com/office/powerpoint/2010/main" val="3136649671"/>
       </p:ext>
     </p:extLst>
   </p:cSld>
@@ -953,7 +953,7 @@
           <p:cNvPr id="2" name="标题 1">
             <a:extLst>
               <a:ext uri="{FF2B5EF4-FFF2-40B4-BE49-F238E27FC236}">
-                <a16:creationId xmlns:a16="http://schemas.microsoft.com/office/drawing/2014/main" id="{0CC55122-388E-303A-71DF-8C792293609F}"/>
+                <a16:creationId xmlns:a16="http://schemas.microsoft.com/office/drawing/2014/main" id="{6C0D7AFC-B119-C22F-E85C-DFF19D377692}"/>
               </a:ext>
             </a:extLst>
           </p:cNvPr>
@@ -990,7 +990,7 @@
           <p:cNvPr id="3" name="文本占位符 2">
             <a:extLst>
               <a:ext uri="{FF2B5EF4-FFF2-40B4-BE49-F238E27FC236}">
-                <a16:creationId xmlns:a16="http://schemas.microsoft.com/office/drawing/2014/main" id="{8A0A757F-7D8C-107C-9FE3-264124F61B6C}"/>
+                <a16:creationId xmlns:a16="http://schemas.microsoft.com/office/drawing/2014/main" id="{E63D3EFA-72FB-2423-FB6D-75BB1B70B7E7}"/>
               </a:ext>
             </a:extLst>
           </p:cNvPr>
@@ -1115,7 +1115,7 @@
           <p:cNvPr id="4" name="日期占位符 3">
             <a:extLst>
               <a:ext uri="{FF2B5EF4-FFF2-40B4-BE49-F238E27FC236}">
-                <a16:creationId xmlns:a16="http://schemas.microsoft.com/office/drawing/2014/main" id="{ACF12165-482C-E389-3162-D3736372EAA1}"/>
+                <a16:creationId xmlns:a16="http://schemas.microsoft.com/office/drawing/2014/main" id="{25BA6331-3AFC-3AE6-8EC3-5C64FC60DEA8}"/>
               </a:ext>
             </a:extLst>
           </p:cNvPr>
@@ -1131,7 +1131,7 @@
           <a:bodyPr/>
           <a:lstStyle/>
           <a:p>
-            <a:fld id="{8B88C56A-A9C4-44AB-8B74-6BC1211B5DEB}" type="datetimeFigureOut">
+            <a:fld id="{6A1ECCE6-7D07-4D63-9E24-0E41D10069C1}" type="datetimeFigureOut">
               <a:rPr lang="zh-CN" altLang="en-US" smtClean="0"/>
               <a:t>2024/3/10</a:t>
             </a:fld>
@@ -1144,7 +1144,7 @@
           <p:cNvPr id="5" name="页脚占位符 4">
             <a:extLst>
               <a:ext uri="{FF2B5EF4-FFF2-40B4-BE49-F238E27FC236}">
-                <a16:creationId xmlns:a16="http://schemas.microsoft.com/office/drawing/2014/main" id="{C6A0FF20-7235-3A2D-64B9-122C9E4CE80A}"/>
+                <a16:creationId xmlns:a16="http://schemas.microsoft.com/office/drawing/2014/main" id="{9301DBA3-7F1A-6D6F-779C-2C25D0E014D5}"/>
               </a:ext>
             </a:extLst>
           </p:cNvPr>
@@ -1169,7 +1169,7 @@
           <p:cNvPr id="6" name="灯片编号占位符 5">
             <a:extLst>
               <a:ext uri="{FF2B5EF4-FFF2-40B4-BE49-F238E27FC236}">
-                <a16:creationId xmlns:a16="http://schemas.microsoft.com/office/drawing/2014/main" id="{E0BDC573-FFE4-4C09-37A4-644606A90519}"/>
+                <a16:creationId xmlns:a16="http://schemas.microsoft.com/office/drawing/2014/main" id="{AD8922E1-897F-9A20-6F9F-2444A12113FB}"/>
               </a:ext>
             </a:extLst>
           </p:cNvPr>
@@ -1185,7 +1185,7 @@
           <a:bodyPr/>
           <a:lstStyle/>
           <a:p>
-            <a:fld id="{B90756F4-3600-456E-B794-C17833E09BEF}" type="slidenum">
+            <a:fld id="{FE2147D4-9B80-4A40-B7D5-270A853644E5}" type="slidenum">
               <a:rPr lang="zh-CN" altLang="en-US" smtClean="0"/>
               <a:t>‹#›</a:t>
             </a:fld>
@@ -1196,7 +1196,7 @@
     </p:spTree>
     <p:extLst>
       <p:ext uri="{BB962C8B-B14F-4D97-AF65-F5344CB8AC3E}">
-        <p14:creationId xmlns:p14="http://schemas.microsoft.com/office/powerpoint/2010/main" val="907628058"/>
+        <p14:creationId xmlns:p14="http://schemas.microsoft.com/office/powerpoint/2010/main" val="2858193575"/>
       </p:ext>
     </p:extLst>
   </p:cSld>
@@ -1228,7 +1228,7 @@
           <p:cNvPr id="2" name="标题 1">
             <a:extLst>
               <a:ext uri="{FF2B5EF4-FFF2-40B4-BE49-F238E27FC236}">
-                <a16:creationId xmlns:a16="http://schemas.microsoft.com/office/drawing/2014/main" id="{30068810-9979-07B5-6C4F-08A591C22944}"/>
+                <a16:creationId xmlns:a16="http://schemas.microsoft.com/office/drawing/2014/main" id="{6D96F80E-1EA0-9411-DF71-25EF9B7DA71C}"/>
               </a:ext>
             </a:extLst>
           </p:cNvPr>
@@ -1256,7 +1256,7 @@
           <p:cNvPr id="3" name="内容占位符 2">
             <a:extLst>
               <a:ext uri="{FF2B5EF4-FFF2-40B4-BE49-F238E27FC236}">
-                <a16:creationId xmlns:a16="http://schemas.microsoft.com/office/drawing/2014/main" id="{3482577C-48B7-A666-23C5-76A045DCC596}"/>
+                <a16:creationId xmlns:a16="http://schemas.microsoft.com/office/drawing/2014/main" id="{9DCC2710-B07E-A7AD-4A16-EBBECD7F76B1}"/>
               </a:ext>
             </a:extLst>
           </p:cNvPr>
@@ -1318,7 +1318,7 @@
           <p:cNvPr id="4" name="内容占位符 3">
             <a:extLst>
               <a:ext uri="{FF2B5EF4-FFF2-40B4-BE49-F238E27FC236}">
-                <a16:creationId xmlns:a16="http://schemas.microsoft.com/office/drawing/2014/main" id="{E8153472-E23D-D25C-4753-57DC0A11BB4A}"/>
+                <a16:creationId xmlns:a16="http://schemas.microsoft.com/office/drawing/2014/main" id="{38D9CEA2-7BA0-307D-85F0-E90907F53923}"/>
               </a:ext>
             </a:extLst>
           </p:cNvPr>
@@ -1380,7 +1380,7 @@
           <p:cNvPr id="5" name="日期占位符 4">
             <a:extLst>
               <a:ext uri="{FF2B5EF4-FFF2-40B4-BE49-F238E27FC236}">
-                <a16:creationId xmlns:a16="http://schemas.microsoft.com/office/drawing/2014/main" id="{6B26D4B8-EF01-C1E6-5E6E-AC8029144082}"/>
+                <a16:creationId xmlns:a16="http://schemas.microsoft.com/office/drawing/2014/main" id="{814F61AF-B194-3B14-6A27-2E713DBB0770}"/>
               </a:ext>
             </a:extLst>
           </p:cNvPr>
@@ -1396,7 +1396,7 @@
           <a:bodyPr/>
           <a:lstStyle/>
           <a:p>
-            <a:fld id="{8B88C56A-A9C4-44AB-8B74-6BC1211B5DEB}" type="datetimeFigureOut">
+            <a:fld id="{6A1ECCE6-7D07-4D63-9E24-0E41D10069C1}" type="datetimeFigureOut">
               <a:rPr lang="zh-CN" altLang="en-US" smtClean="0"/>
               <a:t>2024/3/10</a:t>
             </a:fld>
@@ -1409,7 +1409,7 @@
           <p:cNvPr id="6" name="页脚占位符 5">
             <a:extLst>
               <a:ext uri="{FF2B5EF4-FFF2-40B4-BE49-F238E27FC236}">
-                <a16:creationId xmlns:a16="http://schemas.microsoft.com/office/drawing/2014/main" id="{2F88831D-F1D1-85B2-2EAE-5C71097248E5}"/>
+                <a16:creationId xmlns:a16="http://schemas.microsoft.com/office/drawing/2014/main" id="{DAD04BF5-D4D0-DA15-F09D-9FCDF509A4E6}"/>
               </a:ext>
             </a:extLst>
           </p:cNvPr>
@@ -1434,7 +1434,7 @@
           <p:cNvPr id="7" name="灯片编号占位符 6">
             <a:extLst>
               <a:ext uri="{FF2B5EF4-FFF2-40B4-BE49-F238E27FC236}">
-                <a16:creationId xmlns:a16="http://schemas.microsoft.com/office/drawing/2014/main" id="{01CBB6AC-D89D-474B-F12F-89DBADE0CABA}"/>
+                <a16:creationId xmlns:a16="http://schemas.microsoft.com/office/drawing/2014/main" id="{594BC49D-ED00-577D-2BEF-8F6F95C221AC}"/>
               </a:ext>
             </a:extLst>
           </p:cNvPr>
@@ -1450,7 +1450,7 @@
           <a:bodyPr/>
           <a:lstStyle/>
           <a:p>
-            <a:fld id="{B90756F4-3600-456E-B794-C17833E09BEF}" type="slidenum">
+            <a:fld id="{FE2147D4-9B80-4A40-B7D5-270A853644E5}" type="slidenum">
               <a:rPr lang="zh-CN" altLang="en-US" smtClean="0"/>
               <a:t>‹#›</a:t>
             </a:fld>
@@ -1461,7 +1461,7 @@
     </p:spTree>
     <p:extLst>
       <p:ext uri="{BB962C8B-B14F-4D97-AF65-F5344CB8AC3E}">
-        <p14:creationId xmlns:p14="http://schemas.microsoft.com/office/powerpoint/2010/main" val="2994019634"/>
+        <p14:creationId xmlns:p14="http://schemas.microsoft.com/office/powerpoint/2010/main" val="16722861"/>
       </p:ext>
     </p:extLst>
   </p:cSld>
@@ -1493,7 +1493,7 @@
           <p:cNvPr id="2" name="标题 1">
             <a:extLst>
               <a:ext uri="{FF2B5EF4-FFF2-40B4-BE49-F238E27FC236}">
-                <a16:creationId xmlns:a16="http://schemas.microsoft.com/office/drawing/2014/main" id="{2FA93D19-E221-98C8-DAB1-9889CD32063D}"/>
+                <a16:creationId xmlns:a16="http://schemas.microsoft.com/office/drawing/2014/main" id="{A10363F9-71BC-C0D6-D7A8-31F709C5E92E}"/>
               </a:ext>
             </a:extLst>
           </p:cNvPr>
@@ -1526,7 +1526,7 @@
           <p:cNvPr id="3" name="文本占位符 2">
             <a:extLst>
               <a:ext uri="{FF2B5EF4-FFF2-40B4-BE49-F238E27FC236}">
-                <a16:creationId xmlns:a16="http://schemas.microsoft.com/office/drawing/2014/main" id="{9074309B-4A67-8FB5-E4C9-6DAFE9376DE4}"/>
+                <a16:creationId xmlns:a16="http://schemas.microsoft.com/office/drawing/2014/main" id="{120068CA-A1F3-9433-6973-C9FD39B7B459}"/>
               </a:ext>
             </a:extLst>
           </p:cNvPr>
@@ -1597,7 +1597,7 @@
           <p:cNvPr id="4" name="内容占位符 3">
             <a:extLst>
               <a:ext uri="{FF2B5EF4-FFF2-40B4-BE49-F238E27FC236}">
-                <a16:creationId xmlns:a16="http://schemas.microsoft.com/office/drawing/2014/main" id="{9C8E1469-0CB0-2A7A-B0D5-9E6C885DE005}"/>
+                <a16:creationId xmlns:a16="http://schemas.microsoft.com/office/drawing/2014/main" id="{BB920F8F-7395-2200-9051-FA766CA43BAD}"/>
               </a:ext>
             </a:extLst>
           </p:cNvPr>
@@ -1659,7 +1659,7 @@
           <p:cNvPr id="5" name="文本占位符 4">
             <a:extLst>
               <a:ext uri="{FF2B5EF4-FFF2-40B4-BE49-F238E27FC236}">
-                <a16:creationId xmlns:a16="http://schemas.microsoft.com/office/drawing/2014/main" id="{FAD2E15F-33B5-EACD-2490-61ACB4B53B77}"/>
+                <a16:creationId xmlns:a16="http://schemas.microsoft.com/office/drawing/2014/main" id="{467F141C-C3FE-EBAA-AA74-41AEA709C22F}"/>
               </a:ext>
             </a:extLst>
           </p:cNvPr>
@@ -1730,7 +1730,7 @@
           <p:cNvPr id="6" name="内容占位符 5">
             <a:extLst>
               <a:ext uri="{FF2B5EF4-FFF2-40B4-BE49-F238E27FC236}">
-                <a16:creationId xmlns:a16="http://schemas.microsoft.com/office/drawing/2014/main" id="{BAACEF78-E39A-321B-6602-7283A32A566B}"/>
+                <a16:creationId xmlns:a16="http://schemas.microsoft.com/office/drawing/2014/main" id="{783904BD-E37A-C5D5-0718-38989A510F23}"/>
               </a:ext>
             </a:extLst>
           </p:cNvPr>
@@ -1792,7 +1792,7 @@
           <p:cNvPr id="7" name="日期占位符 6">
             <a:extLst>
               <a:ext uri="{FF2B5EF4-FFF2-40B4-BE49-F238E27FC236}">
-                <a16:creationId xmlns:a16="http://schemas.microsoft.com/office/drawing/2014/main" id="{9B107A3A-0CB6-7AFE-1D01-390540F4A083}"/>
+                <a16:creationId xmlns:a16="http://schemas.microsoft.com/office/drawing/2014/main" id="{57DBEA83-B061-1E29-2854-33A2EE314F77}"/>
               </a:ext>
             </a:extLst>
           </p:cNvPr>
@@ -1808,7 +1808,7 @@
           <a:bodyPr/>
           <a:lstStyle/>
           <a:p>
-            <a:fld id="{8B88C56A-A9C4-44AB-8B74-6BC1211B5DEB}" type="datetimeFigureOut">
+            <a:fld id="{6A1ECCE6-7D07-4D63-9E24-0E41D10069C1}" type="datetimeFigureOut">
               <a:rPr lang="zh-CN" altLang="en-US" smtClean="0"/>
               <a:t>2024/3/10</a:t>
             </a:fld>
@@ -1821,7 +1821,7 @@
           <p:cNvPr id="8" name="页脚占位符 7">
             <a:extLst>
               <a:ext uri="{FF2B5EF4-FFF2-40B4-BE49-F238E27FC236}">
-                <a16:creationId xmlns:a16="http://schemas.microsoft.com/office/drawing/2014/main" id="{A51C2241-72B8-A557-D845-82A8D25EAAA3}"/>
+                <a16:creationId xmlns:a16="http://schemas.microsoft.com/office/drawing/2014/main" id="{125F8761-E117-49D1-24D8-4E6E1B17BFC9}"/>
               </a:ext>
             </a:extLst>
           </p:cNvPr>
@@ -1846,7 +1846,7 @@
           <p:cNvPr id="9" name="灯片编号占位符 8">
             <a:extLst>
               <a:ext uri="{FF2B5EF4-FFF2-40B4-BE49-F238E27FC236}">
-                <a16:creationId xmlns:a16="http://schemas.microsoft.com/office/drawing/2014/main" id="{DADEE198-D82D-D230-1A3F-A058B3D413E7}"/>
+                <a16:creationId xmlns:a16="http://schemas.microsoft.com/office/drawing/2014/main" id="{2408CF0D-F35F-10CA-7CE5-D909C9D556C0}"/>
               </a:ext>
             </a:extLst>
           </p:cNvPr>
@@ -1862,7 +1862,7 @@
           <a:bodyPr/>
           <a:lstStyle/>
           <a:p>
-            <a:fld id="{B90756F4-3600-456E-B794-C17833E09BEF}" type="slidenum">
+            <a:fld id="{FE2147D4-9B80-4A40-B7D5-270A853644E5}" type="slidenum">
               <a:rPr lang="zh-CN" altLang="en-US" smtClean="0"/>
               <a:t>‹#›</a:t>
             </a:fld>
@@ -1873,7 +1873,7 @@
     </p:spTree>
     <p:extLst>
       <p:ext uri="{BB962C8B-B14F-4D97-AF65-F5344CB8AC3E}">
-        <p14:creationId xmlns:p14="http://schemas.microsoft.com/office/powerpoint/2010/main" val="2474720140"/>
+        <p14:creationId xmlns:p14="http://schemas.microsoft.com/office/powerpoint/2010/main" val="446190535"/>
       </p:ext>
     </p:extLst>
   </p:cSld>
@@ -1905,7 +1905,7 @@
           <p:cNvPr id="2" name="标题 1">
             <a:extLst>
               <a:ext uri="{FF2B5EF4-FFF2-40B4-BE49-F238E27FC236}">
-                <a16:creationId xmlns:a16="http://schemas.microsoft.com/office/drawing/2014/main" id="{E40B7667-1742-D611-A8BF-3ACCA826D9EA}"/>
+                <a16:creationId xmlns:a16="http://schemas.microsoft.com/office/drawing/2014/main" id="{52961C67-C624-FA5D-9672-1F7340DC42D4}"/>
               </a:ext>
             </a:extLst>
           </p:cNvPr>
@@ -1933,7 +1933,7 @@
           <p:cNvPr id="3" name="日期占位符 2">
             <a:extLst>
               <a:ext uri="{FF2B5EF4-FFF2-40B4-BE49-F238E27FC236}">
-                <a16:creationId xmlns:a16="http://schemas.microsoft.com/office/drawing/2014/main" id="{227E3E0E-7103-E789-5F1B-086D2E7E355F}"/>
+                <a16:creationId xmlns:a16="http://schemas.microsoft.com/office/drawing/2014/main" id="{2B4B82B3-081F-292E-A2BE-7692AD7C67A6}"/>
               </a:ext>
             </a:extLst>
           </p:cNvPr>
@@ -1949,7 +1949,7 @@
           <a:bodyPr/>
           <a:lstStyle/>
           <a:p>
-            <a:fld id="{8B88C56A-A9C4-44AB-8B74-6BC1211B5DEB}" type="datetimeFigureOut">
+            <a:fld id="{6A1ECCE6-7D07-4D63-9E24-0E41D10069C1}" type="datetimeFigureOut">
               <a:rPr lang="zh-CN" altLang="en-US" smtClean="0"/>
               <a:t>2024/3/10</a:t>
             </a:fld>
@@ -1962,7 +1962,7 @@
           <p:cNvPr id="4" name="页脚占位符 3">
             <a:extLst>
               <a:ext uri="{FF2B5EF4-FFF2-40B4-BE49-F238E27FC236}">
-                <a16:creationId xmlns:a16="http://schemas.microsoft.com/office/drawing/2014/main" id="{7BD67E4E-B697-A199-57B5-B750DD5739A0}"/>
+                <a16:creationId xmlns:a16="http://schemas.microsoft.com/office/drawing/2014/main" id="{AFC87857-77E2-34DB-6720-BD253BA106FA}"/>
               </a:ext>
             </a:extLst>
           </p:cNvPr>
@@ -1987,7 +1987,7 @@
           <p:cNvPr id="5" name="灯片编号占位符 4">
             <a:extLst>
               <a:ext uri="{FF2B5EF4-FFF2-40B4-BE49-F238E27FC236}">
-                <a16:creationId xmlns:a16="http://schemas.microsoft.com/office/drawing/2014/main" id="{F69215F4-0C47-2B04-2CFC-239834192DB2}"/>
+                <a16:creationId xmlns:a16="http://schemas.microsoft.com/office/drawing/2014/main" id="{2A2A9FD2-21B3-C063-B0D7-D11B28BE98A8}"/>
               </a:ext>
             </a:extLst>
           </p:cNvPr>
@@ -2003,7 +2003,7 @@
           <a:bodyPr/>
           <a:lstStyle/>
           <a:p>
-            <a:fld id="{B90756F4-3600-456E-B794-C17833E09BEF}" type="slidenum">
+            <a:fld id="{FE2147D4-9B80-4A40-B7D5-270A853644E5}" type="slidenum">
               <a:rPr lang="zh-CN" altLang="en-US" smtClean="0"/>
               <a:t>‹#›</a:t>
             </a:fld>
@@ -2014,7 +2014,7 @@
     </p:spTree>
     <p:extLst>
       <p:ext uri="{BB962C8B-B14F-4D97-AF65-F5344CB8AC3E}">
-        <p14:creationId xmlns:p14="http://schemas.microsoft.com/office/powerpoint/2010/main" val="1300104282"/>
+        <p14:creationId xmlns:p14="http://schemas.microsoft.com/office/powerpoint/2010/main" val="2909280959"/>
       </p:ext>
     </p:extLst>
   </p:cSld>
@@ -2046,7 +2046,7 @@
           <p:cNvPr id="2" name="日期占位符 1">
             <a:extLst>
               <a:ext uri="{FF2B5EF4-FFF2-40B4-BE49-F238E27FC236}">
-                <a16:creationId xmlns:a16="http://schemas.microsoft.com/office/drawing/2014/main" id="{6A4A72F2-0A7F-EA36-5B07-DA590D3C521A}"/>
+                <a16:creationId xmlns:a16="http://schemas.microsoft.com/office/drawing/2014/main" id="{C4800F51-3AD9-4EF0-ED03-96948B6934FA}"/>
               </a:ext>
             </a:extLst>
           </p:cNvPr>
@@ -2062,7 +2062,7 @@
           <a:bodyPr/>
           <a:lstStyle/>
           <a:p>
-            <a:fld id="{8B88C56A-A9C4-44AB-8B74-6BC1211B5DEB}" type="datetimeFigureOut">
+            <a:fld id="{6A1ECCE6-7D07-4D63-9E24-0E41D10069C1}" type="datetimeFigureOut">
               <a:rPr lang="zh-CN" altLang="en-US" smtClean="0"/>
               <a:t>2024/3/10</a:t>
             </a:fld>
@@ -2075,7 +2075,7 @@
           <p:cNvPr id="3" name="页脚占位符 2">
             <a:extLst>
               <a:ext uri="{FF2B5EF4-FFF2-40B4-BE49-F238E27FC236}">
-                <a16:creationId xmlns:a16="http://schemas.microsoft.com/office/drawing/2014/main" id="{F784C68D-B656-B840-318E-CF2F2327C58A}"/>
+                <a16:creationId xmlns:a16="http://schemas.microsoft.com/office/drawing/2014/main" id="{60215143-21BF-EA90-58C0-040B584C40A9}"/>
               </a:ext>
             </a:extLst>
           </p:cNvPr>
@@ -2100,7 +2100,7 @@
           <p:cNvPr id="4" name="灯片编号占位符 3">
             <a:extLst>
               <a:ext uri="{FF2B5EF4-FFF2-40B4-BE49-F238E27FC236}">
-                <a16:creationId xmlns:a16="http://schemas.microsoft.com/office/drawing/2014/main" id="{217358D2-3406-1F9E-BA71-AFBE3DC20A70}"/>
+                <a16:creationId xmlns:a16="http://schemas.microsoft.com/office/drawing/2014/main" id="{245F4287-9F98-9ED1-FF34-5CF321209B8A}"/>
               </a:ext>
             </a:extLst>
           </p:cNvPr>
@@ -2116,7 +2116,7 @@
           <a:bodyPr/>
           <a:lstStyle/>
           <a:p>
-            <a:fld id="{B90756F4-3600-456E-B794-C17833E09BEF}" type="slidenum">
+            <a:fld id="{FE2147D4-9B80-4A40-B7D5-270A853644E5}" type="slidenum">
               <a:rPr lang="zh-CN" altLang="en-US" smtClean="0"/>
               <a:t>‹#›</a:t>
             </a:fld>
@@ -2127,7 +2127,7 @@
     </p:spTree>
     <p:extLst>
       <p:ext uri="{BB962C8B-B14F-4D97-AF65-F5344CB8AC3E}">
-        <p14:creationId xmlns:p14="http://schemas.microsoft.com/office/powerpoint/2010/main" val="208176639"/>
+        <p14:creationId xmlns:p14="http://schemas.microsoft.com/office/powerpoint/2010/main" val="2483793495"/>
       </p:ext>
     </p:extLst>
   </p:cSld>
@@ -2159,7 +2159,7 @@
           <p:cNvPr id="2" name="标题 1">
             <a:extLst>
               <a:ext uri="{FF2B5EF4-FFF2-40B4-BE49-F238E27FC236}">
-                <a16:creationId xmlns:a16="http://schemas.microsoft.com/office/drawing/2014/main" id="{C728F494-7C30-0329-3C0F-69665E5E0C9D}"/>
+                <a16:creationId xmlns:a16="http://schemas.microsoft.com/office/drawing/2014/main" id="{D46AC05B-FEDA-A874-62BC-658A8113F37A}"/>
               </a:ext>
             </a:extLst>
           </p:cNvPr>
@@ -2196,7 +2196,7 @@
           <p:cNvPr id="3" name="内容占位符 2">
             <a:extLst>
               <a:ext uri="{FF2B5EF4-FFF2-40B4-BE49-F238E27FC236}">
-                <a16:creationId xmlns:a16="http://schemas.microsoft.com/office/drawing/2014/main" id="{1021E4F9-90B7-C534-FB46-52F864EDB4E3}"/>
+                <a16:creationId xmlns:a16="http://schemas.microsoft.com/office/drawing/2014/main" id="{1BE35325-FF6F-3682-BA31-C5BB19823E95}"/>
               </a:ext>
             </a:extLst>
           </p:cNvPr>
@@ -2286,7 +2286,7 @@
           <p:cNvPr id="4" name="文本占位符 3">
             <a:extLst>
               <a:ext uri="{FF2B5EF4-FFF2-40B4-BE49-F238E27FC236}">
-                <a16:creationId xmlns:a16="http://schemas.microsoft.com/office/drawing/2014/main" id="{1ADFFED4-3936-69FF-ABB7-239BE721422E}"/>
+                <a16:creationId xmlns:a16="http://schemas.microsoft.com/office/drawing/2014/main" id="{2FCA6CF5-AA14-E647-DEC7-C87F2D4514A2}"/>
               </a:ext>
             </a:extLst>
           </p:cNvPr>
@@ -2357,7 +2357,7 @@
           <p:cNvPr id="5" name="日期占位符 4">
             <a:extLst>
               <a:ext uri="{FF2B5EF4-FFF2-40B4-BE49-F238E27FC236}">
-                <a16:creationId xmlns:a16="http://schemas.microsoft.com/office/drawing/2014/main" id="{E11C03B7-E850-9ED8-1FBF-9421D3C1DF55}"/>
+                <a16:creationId xmlns:a16="http://schemas.microsoft.com/office/drawing/2014/main" id="{78CA084D-3CE2-E9AA-66C1-A765C93EAD52}"/>
               </a:ext>
             </a:extLst>
           </p:cNvPr>
@@ -2373,7 +2373,7 @@
           <a:bodyPr/>
           <a:lstStyle/>
           <a:p>
-            <a:fld id="{8B88C56A-A9C4-44AB-8B74-6BC1211B5DEB}" type="datetimeFigureOut">
+            <a:fld id="{6A1ECCE6-7D07-4D63-9E24-0E41D10069C1}" type="datetimeFigureOut">
               <a:rPr lang="zh-CN" altLang="en-US" smtClean="0"/>
               <a:t>2024/3/10</a:t>
             </a:fld>
@@ -2386,7 +2386,7 @@
           <p:cNvPr id="6" name="页脚占位符 5">
             <a:extLst>
               <a:ext uri="{FF2B5EF4-FFF2-40B4-BE49-F238E27FC236}">
-                <a16:creationId xmlns:a16="http://schemas.microsoft.com/office/drawing/2014/main" id="{0A2C4335-853F-9768-C02C-42B653A4BF03}"/>
+                <a16:creationId xmlns:a16="http://schemas.microsoft.com/office/drawing/2014/main" id="{C9D7A6AB-B6B2-AE11-046C-06A9710D1BED}"/>
               </a:ext>
             </a:extLst>
           </p:cNvPr>
@@ -2411,7 +2411,7 @@
           <p:cNvPr id="7" name="灯片编号占位符 6">
             <a:extLst>
               <a:ext uri="{FF2B5EF4-FFF2-40B4-BE49-F238E27FC236}">
-                <a16:creationId xmlns:a16="http://schemas.microsoft.com/office/drawing/2014/main" id="{E0035A0E-6839-DD09-31B0-EB83FE5E3EC3}"/>
+                <a16:creationId xmlns:a16="http://schemas.microsoft.com/office/drawing/2014/main" id="{DFC94E65-47A9-02E2-B5A4-0F3EC215DDA6}"/>
               </a:ext>
             </a:extLst>
           </p:cNvPr>
@@ -2427,7 +2427,7 @@
           <a:bodyPr/>
           <a:lstStyle/>
           <a:p>
-            <a:fld id="{B90756F4-3600-456E-B794-C17833E09BEF}" type="slidenum">
+            <a:fld id="{FE2147D4-9B80-4A40-B7D5-270A853644E5}" type="slidenum">
               <a:rPr lang="zh-CN" altLang="en-US" smtClean="0"/>
               <a:t>‹#›</a:t>
             </a:fld>
@@ -2438,7 +2438,7 @@
     </p:spTree>
     <p:extLst>
       <p:ext uri="{BB962C8B-B14F-4D97-AF65-F5344CB8AC3E}">
-        <p14:creationId xmlns:p14="http://schemas.microsoft.com/office/powerpoint/2010/main" val="3324015270"/>
+        <p14:creationId xmlns:p14="http://schemas.microsoft.com/office/powerpoint/2010/main" val="3092243972"/>
       </p:ext>
     </p:extLst>
   </p:cSld>
@@ -2470,7 +2470,7 @@
           <p:cNvPr id="2" name="标题 1">
             <a:extLst>
               <a:ext uri="{FF2B5EF4-FFF2-40B4-BE49-F238E27FC236}">
-                <a16:creationId xmlns:a16="http://schemas.microsoft.com/office/drawing/2014/main" id="{F93A37CE-04BA-D893-1D0B-F9939570901A}"/>
+                <a16:creationId xmlns:a16="http://schemas.microsoft.com/office/drawing/2014/main" id="{17545811-B47F-DD00-EBCC-F9A6C2C5969D}"/>
               </a:ext>
             </a:extLst>
           </p:cNvPr>
@@ -2507,7 +2507,7 @@
           <p:cNvPr id="3" name="图片占位符 2">
             <a:extLst>
               <a:ext uri="{FF2B5EF4-FFF2-40B4-BE49-F238E27FC236}">
-                <a16:creationId xmlns:a16="http://schemas.microsoft.com/office/drawing/2014/main" id="{81930432-8AC5-A6BA-FFC2-EF19B46386BD}"/>
+                <a16:creationId xmlns:a16="http://schemas.microsoft.com/office/drawing/2014/main" id="{1A60B96C-9640-89DC-7F85-1E56EBFDE51F}"/>
               </a:ext>
             </a:extLst>
           </p:cNvPr>
@@ -2574,7 +2574,7 @@
           <p:cNvPr id="4" name="文本占位符 3">
             <a:extLst>
               <a:ext uri="{FF2B5EF4-FFF2-40B4-BE49-F238E27FC236}">
-                <a16:creationId xmlns:a16="http://schemas.microsoft.com/office/drawing/2014/main" id="{E9785F60-4C06-1361-E243-F72288DCFE29}"/>
+                <a16:creationId xmlns:a16="http://schemas.microsoft.com/office/drawing/2014/main" id="{EE33FBD9-E522-1433-3D6C-D4F8CEC51399}"/>
               </a:ext>
             </a:extLst>
           </p:cNvPr>
@@ -2645,7 +2645,7 @@
           <p:cNvPr id="5" name="日期占位符 4">
             <a:extLst>
               <a:ext uri="{FF2B5EF4-FFF2-40B4-BE49-F238E27FC236}">
-                <a16:creationId xmlns:a16="http://schemas.microsoft.com/office/drawing/2014/main" id="{2615F137-0A95-5834-AA5C-C54618E9C8D9}"/>
+                <a16:creationId xmlns:a16="http://schemas.microsoft.com/office/drawing/2014/main" id="{D327E3A1-4E33-127B-0F4E-0AC5987548F7}"/>
               </a:ext>
             </a:extLst>
           </p:cNvPr>
@@ -2661,7 +2661,7 @@
           <a:bodyPr/>
           <a:lstStyle/>
           <a:p>
-            <a:fld id="{8B88C56A-A9C4-44AB-8B74-6BC1211B5DEB}" type="datetimeFigureOut">
+            <a:fld id="{6A1ECCE6-7D07-4D63-9E24-0E41D10069C1}" type="datetimeFigureOut">
               <a:rPr lang="zh-CN" altLang="en-US" smtClean="0"/>
               <a:t>2024/3/10</a:t>
             </a:fld>
@@ -2674,7 +2674,7 @@
           <p:cNvPr id="6" name="页脚占位符 5">
             <a:extLst>
               <a:ext uri="{FF2B5EF4-FFF2-40B4-BE49-F238E27FC236}">
-                <a16:creationId xmlns:a16="http://schemas.microsoft.com/office/drawing/2014/main" id="{5C726BB4-486C-9032-F51B-53BEEEA4F24C}"/>
+                <a16:creationId xmlns:a16="http://schemas.microsoft.com/office/drawing/2014/main" id="{ADA9354C-8D12-9755-06BB-11AA0D617685}"/>
               </a:ext>
             </a:extLst>
           </p:cNvPr>
@@ -2699,7 +2699,7 @@
           <p:cNvPr id="7" name="灯片编号占位符 6">
             <a:extLst>
               <a:ext uri="{FF2B5EF4-FFF2-40B4-BE49-F238E27FC236}">
-                <a16:creationId xmlns:a16="http://schemas.microsoft.com/office/drawing/2014/main" id="{BC7FAE4D-E583-B9FC-879D-CE04F0531908}"/>
+                <a16:creationId xmlns:a16="http://schemas.microsoft.com/office/drawing/2014/main" id="{CFA35435-9090-2B1D-497A-1C9EBA1A44EB}"/>
               </a:ext>
             </a:extLst>
           </p:cNvPr>
@@ -2715,7 +2715,7 @@
           <a:bodyPr/>
           <a:lstStyle/>
           <a:p>
-            <a:fld id="{B90756F4-3600-456E-B794-C17833E09BEF}" type="slidenum">
+            <a:fld id="{FE2147D4-9B80-4A40-B7D5-270A853644E5}" type="slidenum">
               <a:rPr lang="zh-CN" altLang="en-US" smtClean="0"/>
               <a:t>‹#›</a:t>
             </a:fld>
@@ -2726,7 +2726,7 @@
     </p:spTree>
     <p:extLst>
       <p:ext uri="{BB962C8B-B14F-4D97-AF65-F5344CB8AC3E}">
-        <p14:creationId xmlns:p14="http://schemas.microsoft.com/office/powerpoint/2010/main" val="2257767793"/>
+        <p14:creationId xmlns:p14="http://schemas.microsoft.com/office/powerpoint/2010/main" val="1447331492"/>
       </p:ext>
     </p:extLst>
   </p:cSld>
@@ -2763,7 +2763,7 @@
           <p:cNvPr id="2" name="标题占位符 1">
             <a:extLst>
               <a:ext uri="{FF2B5EF4-FFF2-40B4-BE49-F238E27FC236}">
-                <a16:creationId xmlns:a16="http://schemas.microsoft.com/office/drawing/2014/main" id="{1466FFD3-76FB-75C1-D2FC-8169B43B1AC4}"/>
+                <a16:creationId xmlns:a16="http://schemas.microsoft.com/office/drawing/2014/main" id="{BBCD93E1-9CF1-EECF-74E5-5B95E8CD8F98}"/>
               </a:ext>
             </a:extLst>
           </p:cNvPr>
@@ -2801,7 +2801,7 @@
           <p:cNvPr id="3" name="文本占位符 2">
             <a:extLst>
               <a:ext uri="{FF2B5EF4-FFF2-40B4-BE49-F238E27FC236}">
-                <a16:creationId xmlns:a16="http://schemas.microsoft.com/office/drawing/2014/main" id="{4E9BF20F-AAE5-A672-3B0C-55FEC3669F9E}"/>
+                <a16:creationId xmlns:a16="http://schemas.microsoft.com/office/drawing/2014/main" id="{2A89F5EA-0EF7-3056-BD14-AE00DE5E0068}"/>
               </a:ext>
             </a:extLst>
           </p:cNvPr>
@@ -2868,7 +2868,7 @@
           <p:cNvPr id="4" name="日期占位符 3">
             <a:extLst>
               <a:ext uri="{FF2B5EF4-FFF2-40B4-BE49-F238E27FC236}">
-                <a16:creationId xmlns:a16="http://schemas.microsoft.com/office/drawing/2014/main" id="{11DE4670-03BE-08F3-8C5C-2B36A3186F68}"/>
+                <a16:creationId xmlns:a16="http://schemas.microsoft.com/office/drawing/2014/main" id="{E844C980-2D5C-B047-1222-768BF6B2BFBD}"/>
               </a:ext>
             </a:extLst>
           </p:cNvPr>
@@ -2902,7 +2902,7 @@
             </a:lvl1pPr>
           </a:lstStyle>
           <a:p>
-            <a:fld id="{8B88C56A-A9C4-44AB-8B74-6BC1211B5DEB}" type="datetimeFigureOut">
+            <a:fld id="{6A1ECCE6-7D07-4D63-9E24-0E41D10069C1}" type="datetimeFigureOut">
               <a:rPr lang="zh-CN" altLang="en-US" smtClean="0"/>
               <a:t>2024/3/10</a:t>
             </a:fld>
@@ -2915,7 +2915,7 @@
           <p:cNvPr id="5" name="页脚占位符 4">
             <a:extLst>
               <a:ext uri="{FF2B5EF4-FFF2-40B4-BE49-F238E27FC236}">
-                <a16:creationId xmlns:a16="http://schemas.microsoft.com/office/drawing/2014/main" id="{4036BB61-BAAD-5986-C9C5-1F7ACD042CB3}"/>
+                <a16:creationId xmlns:a16="http://schemas.microsoft.com/office/drawing/2014/main" id="{722C4ED2-154D-957B-2BFC-D27CDBE80737}"/>
               </a:ext>
             </a:extLst>
           </p:cNvPr>
@@ -2958,7 +2958,7 @@
           <p:cNvPr id="6" name="灯片编号占位符 5">
             <a:extLst>
               <a:ext uri="{FF2B5EF4-FFF2-40B4-BE49-F238E27FC236}">
-                <a16:creationId xmlns:a16="http://schemas.microsoft.com/office/drawing/2014/main" id="{1C73BF82-3424-1433-719E-00C426539503}"/>
+                <a16:creationId xmlns:a16="http://schemas.microsoft.com/office/drawing/2014/main" id="{AB094D94-8AE2-EBD4-05FA-D0725CB918F3}"/>
               </a:ext>
             </a:extLst>
           </p:cNvPr>
@@ -2992,7 +2992,7 @@
             </a:lvl1pPr>
           </a:lstStyle>
           <a:p>
-            <a:fld id="{B90756F4-3600-456E-B794-C17833E09BEF}" type="slidenum">
+            <a:fld id="{FE2147D4-9B80-4A40-B7D5-270A853644E5}" type="slidenum">
               <a:rPr lang="zh-CN" altLang="en-US" smtClean="0"/>
               <a:t>‹#›</a:t>
             </a:fld>
@@ -3003,7 +3003,7 @@
     </p:spTree>
     <p:extLst>
       <p:ext uri="{BB962C8B-B14F-4D97-AF65-F5344CB8AC3E}">
-        <p14:creationId xmlns:p14="http://schemas.microsoft.com/office/powerpoint/2010/main" val="976581854"/>
+        <p14:creationId xmlns:p14="http://schemas.microsoft.com/office/powerpoint/2010/main" val="2451975164"/>
       </p:ext>
     </p:extLst>
   </p:cSld>
